--- a/materials/presentation.pptx
+++ b/materials/presentation.pptx
@@ -259,7 +259,7 @@
           <a:p>
             <a:fld id="{3596499D-DD90-467E-9B34-3D64BED30F9D}" type="datetimeFigureOut">
               <a:rPr lang="ru-RU" smtClean="0"/>
-              <a:t>05.04.2025</a:t>
+              <a:t>23.04.2025</a:t>
             </a:fld>
             <a:endParaRPr lang="ru-RU"/>
           </a:p>
@@ -429,7 +429,7 @@
           <a:p>
             <a:fld id="{3596499D-DD90-467E-9B34-3D64BED30F9D}" type="datetimeFigureOut">
               <a:rPr lang="ru-RU" smtClean="0"/>
-              <a:t>05.04.2025</a:t>
+              <a:t>23.04.2025</a:t>
             </a:fld>
             <a:endParaRPr lang="ru-RU"/>
           </a:p>
@@ -609,7 +609,7 @@
           <a:p>
             <a:fld id="{3596499D-DD90-467E-9B34-3D64BED30F9D}" type="datetimeFigureOut">
               <a:rPr lang="ru-RU" smtClean="0"/>
-              <a:t>05.04.2025</a:t>
+              <a:t>23.04.2025</a:t>
             </a:fld>
             <a:endParaRPr lang="ru-RU"/>
           </a:p>
@@ -779,7 +779,7 @@
           <a:p>
             <a:fld id="{3596499D-DD90-467E-9B34-3D64BED30F9D}" type="datetimeFigureOut">
               <a:rPr lang="ru-RU" smtClean="0"/>
-              <a:t>05.04.2025</a:t>
+              <a:t>23.04.2025</a:t>
             </a:fld>
             <a:endParaRPr lang="ru-RU"/>
           </a:p>
@@ -1025,7 +1025,7 @@
           <a:p>
             <a:fld id="{3596499D-DD90-467E-9B34-3D64BED30F9D}" type="datetimeFigureOut">
               <a:rPr lang="ru-RU" smtClean="0"/>
-              <a:t>05.04.2025</a:t>
+              <a:t>23.04.2025</a:t>
             </a:fld>
             <a:endParaRPr lang="ru-RU"/>
           </a:p>
@@ -1257,7 +1257,7 @@
           <a:p>
             <a:fld id="{3596499D-DD90-467E-9B34-3D64BED30F9D}" type="datetimeFigureOut">
               <a:rPr lang="ru-RU" smtClean="0"/>
-              <a:t>05.04.2025</a:t>
+              <a:t>23.04.2025</a:t>
             </a:fld>
             <a:endParaRPr lang="ru-RU"/>
           </a:p>
@@ -1624,7 +1624,7 @@
           <a:p>
             <a:fld id="{3596499D-DD90-467E-9B34-3D64BED30F9D}" type="datetimeFigureOut">
               <a:rPr lang="ru-RU" smtClean="0"/>
-              <a:t>05.04.2025</a:t>
+              <a:t>23.04.2025</a:t>
             </a:fld>
             <a:endParaRPr lang="ru-RU"/>
           </a:p>
@@ -1742,7 +1742,7 @@
           <a:p>
             <a:fld id="{3596499D-DD90-467E-9B34-3D64BED30F9D}" type="datetimeFigureOut">
               <a:rPr lang="ru-RU" smtClean="0"/>
-              <a:t>05.04.2025</a:t>
+              <a:t>23.04.2025</a:t>
             </a:fld>
             <a:endParaRPr lang="ru-RU"/>
           </a:p>
@@ -1837,7 +1837,7 @@
           <a:p>
             <a:fld id="{3596499D-DD90-467E-9B34-3D64BED30F9D}" type="datetimeFigureOut">
               <a:rPr lang="ru-RU" smtClean="0"/>
-              <a:t>05.04.2025</a:t>
+              <a:t>23.04.2025</a:t>
             </a:fld>
             <a:endParaRPr lang="ru-RU"/>
           </a:p>
@@ -2114,7 +2114,7 @@
           <a:p>
             <a:fld id="{3596499D-DD90-467E-9B34-3D64BED30F9D}" type="datetimeFigureOut">
               <a:rPr lang="ru-RU" smtClean="0"/>
-              <a:t>05.04.2025</a:t>
+              <a:t>23.04.2025</a:t>
             </a:fld>
             <a:endParaRPr lang="ru-RU"/>
           </a:p>
@@ -2367,7 +2367,7 @@
           <a:p>
             <a:fld id="{3596499D-DD90-467E-9B34-3D64BED30F9D}" type="datetimeFigureOut">
               <a:rPr lang="ru-RU" smtClean="0"/>
-              <a:t>05.04.2025</a:t>
+              <a:t>23.04.2025</a:t>
             </a:fld>
             <a:endParaRPr lang="ru-RU"/>
           </a:p>
@@ -2580,7 +2580,7 @@
           <a:p>
             <a:fld id="{3596499D-DD90-467E-9B34-3D64BED30F9D}" type="datetimeFigureOut">
               <a:rPr lang="ru-RU" smtClean="0"/>
-              <a:t>05.04.2025</a:t>
+              <a:t>23.04.2025</a:t>
             </a:fld>
             <a:endParaRPr lang="ru-RU"/>
           </a:p>
@@ -3018,7 +3018,6 @@
               <a:rPr lang="ru-RU" dirty="0"/>
               <a:t> - бот-сервис с короткими видео с открытым исходным кодом</a:t>
             </a:r>
-            <a:endParaRPr lang="ru-RU" dirty="0"/>
           </a:p>
         </p:txBody>
       </p:sp>
@@ -3048,33 +3047,13 @@
             <a:r>
               <a:rPr lang="en-US" dirty="0" smtClean="0"/>
               <a:t>WEB</a:t>
-            </a:r>
-            <a:r>
-              <a:rPr lang="en-US" dirty="0" smtClean="0"/>
-              <a:t/>
             </a:r>
             <a:br>
               <a:rPr lang="en-US" dirty="0" smtClean="0"/>
             </a:br>
             <a:r>
               <a:rPr lang="ru-RU" dirty="0" smtClean="0"/>
-              <a:t>Февраль</a:t>
-            </a:r>
-            <a:r>
-              <a:rPr lang="ru-RU" dirty="0" smtClean="0"/>
-              <a:t> </a:t>
-            </a:r>
-            <a:r>
-              <a:rPr lang="ru-RU" dirty="0" smtClean="0"/>
-              <a:t>– </a:t>
-            </a:r>
-            <a:r>
-              <a:rPr lang="ru-RU" dirty="0" smtClean="0"/>
-              <a:t>Апрель </a:t>
-            </a:r>
-            <a:r>
-              <a:rPr lang="ru-RU" dirty="0" smtClean="0"/>
-              <a:t>2024</a:t>
+              <a:t>Февраль – Апрель 2024</a:t>
             </a:r>
             <a:r>
               <a:rPr lang="en-US" dirty="0" smtClean="0"/>
@@ -3431,7 +3410,7 @@
         <p:spPr>
           <a:xfrm>
             <a:off x="4961746" y="1690688"/>
-            <a:ext cx="6395020" cy="2585323"/>
+            <a:ext cx="6395020" cy="3416320"/>
           </a:xfrm>
           <a:prstGeom prst="rect">
             <a:avLst/>
@@ -3446,11 +3425,7 @@
           <a:p>
             <a:r>
               <a:rPr lang="ru-RU" dirty="0"/>
-              <a:t>Количество строк </a:t>
-            </a:r>
-            <a:r>
-              <a:rPr lang="ru-RU" dirty="0" smtClean="0"/>
-              <a:t>кода:</a:t>
+              <a:t>Количество строк кода:</a:t>
             </a:r>
           </a:p>
           <a:p>
@@ -3459,26 +3434,13 @@
               <a:buChar char="•"/>
             </a:pPr>
             <a:r>
-              <a:rPr lang="en-US" dirty="0" smtClean="0"/>
-              <a:t>bot</a:t>
-            </a:r>
-            <a:r>
-              <a:rPr lang="en-US" dirty="0" smtClean="0"/>
-              <a:t>/main.py </a:t>
-            </a:r>
-            <a:r>
-              <a:rPr lang="en-US" dirty="0" smtClean="0"/>
-              <a:t>– </a:t>
-            </a:r>
-            <a:r>
-              <a:rPr lang="en-US" dirty="0" smtClean="0"/>
-              <a:t>24</a:t>
-            </a:r>
-            <a:r>
-              <a:rPr lang="ru-RU" dirty="0" smtClean="0"/>
-              <a:t> строк</a:t>
-            </a:r>
-            <a:endParaRPr lang="en-US" dirty="0" smtClean="0"/>
+              <a:rPr lang="en-US" dirty="0"/>
+              <a:t>main.py – 27 </a:t>
+            </a:r>
+            <a:r>
+              <a:rPr lang="ru-RU" dirty="0"/>
+              <a:t>строк</a:t>
+            </a:r>
           </a:p>
           <a:p>
             <a:pPr marL="285750" indent="-285750">
@@ -3486,22 +3448,13 @@
               <a:buChar char="•"/>
             </a:pPr>
             <a:r>
-              <a:rPr lang="en-US" dirty="0" smtClean="0"/>
-              <a:t>bot/tests.py </a:t>
-            </a:r>
-            <a:r>
               <a:rPr lang="en-US" dirty="0"/>
-              <a:t>– </a:t>
-            </a:r>
-            <a:r>
-              <a:rPr lang="en-US" dirty="0" smtClean="0"/>
-              <a:t>13</a:t>
-            </a:r>
-            <a:r>
-              <a:rPr lang="ru-RU" dirty="0" smtClean="0"/>
-              <a:t> строк</a:t>
-            </a:r>
-            <a:endParaRPr lang="ru-RU" dirty="0" smtClean="0"/>
+              <a:t>data/tests.py – 13 </a:t>
+            </a:r>
+            <a:r>
+              <a:rPr lang="ru-RU" dirty="0"/>
+              <a:t>строк</a:t>
+            </a:r>
           </a:p>
           <a:p>
             <a:pPr marL="285750" indent="-285750">
@@ -3509,30 +3462,13 @@
               <a:buChar char="•"/>
             </a:pPr>
             <a:r>
-              <a:rPr lang="en-US" dirty="0" smtClean="0"/>
-              <a:t>b</a:t>
-            </a:r>
-            <a:r>
-              <a:rPr lang="en-US" dirty="0" smtClean="0"/>
-              <a:t>ot/data/functions.py </a:t>
-            </a:r>
-            <a:r>
               <a:rPr lang="en-US" dirty="0"/>
-              <a:t>– </a:t>
-            </a:r>
-            <a:r>
-              <a:rPr lang="en-US" dirty="0" smtClean="0"/>
-              <a:t>134</a:t>
-            </a:r>
-            <a:r>
-              <a:rPr lang="ru-RU" dirty="0" smtClean="0"/>
-              <a:t> </a:t>
-            </a:r>
-            <a:r>
-              <a:rPr lang="ru-RU" dirty="0" smtClean="0"/>
+              <a:t>data/functions.py – 98 </a:t>
+            </a:r>
+            <a:r>
+              <a:rPr lang="ru-RU" dirty="0"/>
               <a:t>строк</a:t>
             </a:r>
-            <a:endParaRPr lang="ru-RU" dirty="0"/>
           </a:p>
           <a:p>
             <a:pPr marL="285750" indent="-285750">
@@ -3541,31 +3477,11 @@
             </a:pPr>
             <a:r>
               <a:rPr lang="en-US" dirty="0"/>
-              <a:t>b</a:t>
-            </a:r>
-            <a:r>
-              <a:rPr lang="en-US" dirty="0" smtClean="0"/>
-              <a:t>ot/data/classes.py </a:t>
-            </a:r>
-            <a:r>
-              <a:rPr lang="en-US" dirty="0"/>
-              <a:t>– </a:t>
-            </a:r>
-            <a:r>
-              <a:rPr lang="ru-RU" dirty="0" smtClean="0"/>
-              <a:t>2</a:t>
-            </a:r>
-            <a:r>
-              <a:rPr lang="en-US" dirty="0" smtClean="0"/>
-              <a:t>09</a:t>
-            </a:r>
-            <a:r>
-              <a:rPr lang="ru-RU" dirty="0" smtClean="0"/>
-              <a:t> </a:t>
-            </a:r>
-            <a:r>
-              <a:rPr lang="ru-RU" dirty="0" smtClean="0"/>
-              <a:t>строк</a:t>
+              <a:t>data/classes.py – 281 </a:t>
+            </a:r>
+            <a:r>
+              <a:rPr lang="ru-RU" dirty="0"/>
+              <a:t>строка</a:t>
             </a:r>
           </a:p>
           <a:p>
@@ -3575,56 +3491,73 @@
             </a:pPr>
             <a:r>
               <a:rPr lang="en-US" dirty="0"/>
-              <a:t>s</a:t>
-            </a:r>
-            <a:r>
-              <a:rPr lang="en-US" dirty="0" smtClean="0"/>
-              <a:t>ite/main</a:t>
-            </a:r>
-            <a:r>
-              <a:rPr lang="en-US" dirty="0" smtClean="0"/>
-              <a:t>.py </a:t>
-            </a:r>
+              <a:t>data/db_session.py — 28 </a:t>
+            </a:r>
+            <a:r>
+              <a:rPr lang="ru-RU" dirty="0"/>
+              <a:t>строк</a:t>
+            </a:r>
+          </a:p>
+          <a:p>
+            <a:pPr marL="285750" indent="-285750">
+              <a:buFont typeface="Arial" panose="020B0604020202020204" pitchFamily="34" charset="0"/>
+              <a:buChar char="•"/>
+            </a:pPr>
             <a:r>
               <a:rPr lang="en-US" dirty="0"/>
-              <a:t>– </a:t>
-            </a:r>
-            <a:r>
-              <a:rPr lang="en-US" dirty="0" smtClean="0"/>
-              <a:t>31</a:t>
-            </a:r>
-            <a:r>
-              <a:rPr lang="ru-RU" dirty="0" smtClean="0"/>
-              <a:t> </a:t>
+              <a:t>data/videos.py — 15 </a:t>
+            </a:r>
+            <a:r>
+              <a:rPr lang="ru-RU" dirty="0"/>
+              <a:t>строк</a:t>
+            </a:r>
+          </a:p>
+          <a:p>
+            <a:pPr marL="285750" indent="-285750">
+              <a:buFont typeface="Arial" panose="020B0604020202020204" pitchFamily="34" charset="0"/>
+              <a:buChar char="•"/>
+            </a:pPr>
+            <a:r>
+              <a:rPr lang="en-US" dirty="0"/>
+              <a:t>data/video_resources.py — 64 </a:t>
+            </a:r>
+            <a:r>
+              <a:rPr lang="ru-RU" dirty="0"/>
+              <a:t>строки</a:t>
+            </a:r>
+          </a:p>
+          <a:p>
+            <a:pPr marL="285750" indent="-285750">
+              <a:buFont typeface="Arial" panose="020B0604020202020204" pitchFamily="34" charset="0"/>
+              <a:buChar char="•"/>
+            </a:pPr>
+            <a:r>
+              <a:rPr lang="ru-RU" dirty="0"/>
+              <a:t>site/server.py – 31 </a:t>
             </a:r>
             <a:r>
               <a:rPr lang="ru-RU" dirty="0" smtClean="0"/>
               <a:t>строки</a:t>
             </a:r>
-            <a:br>
+          </a:p>
+          <a:p>
+            <a:r>
               <a:rPr lang="ru-RU" dirty="0" smtClean="0"/>
-            </a:br>
+              <a:t>Итого</a:t>
+            </a:r>
+            <a:r>
+              <a:rPr lang="ru-RU" dirty="0"/>
+              <a:t>: 557 строк</a:t>
+            </a:r>
+          </a:p>
+          <a:p>
             <a:r>
               <a:rPr lang="ru-RU" dirty="0" smtClean="0"/>
-              <a:t>Итого: </a:t>
-            </a:r>
-            <a:r>
-              <a:rPr lang="en-US" dirty="0" smtClean="0"/>
-              <a:t>374</a:t>
-            </a:r>
-            <a:r>
-              <a:rPr lang="ru-RU" dirty="0" smtClean="0"/>
-              <a:t> </a:t>
-            </a:r>
-            <a:r>
-              <a:rPr lang="ru-RU" dirty="0" smtClean="0"/>
-              <a:t>строки</a:t>
-            </a:r>
-          </a:p>
-          <a:p>
+              <a:t>Игра </a:t>
+            </a:r>
             <a:r>
               <a:rPr lang="ru-RU" dirty="0"/>
-              <a:t>Игра разрабатывается на базе курса Лицей Академии Яндекса.</a:t>
+              <a:t>разрабатывается на базе курса Лицей Академии Яндекса.</a:t>
             </a:r>
           </a:p>
           <a:p>
@@ -3642,15 +3575,7 @@
             </a:r>
             <a:r>
               <a:rPr lang="ru-RU" dirty="0" smtClean="0"/>
-              <a:t>-го </a:t>
-            </a:r>
-            <a:r>
-              <a:rPr lang="ru-RU" dirty="0" smtClean="0"/>
-              <a:t>апре</a:t>
-            </a:r>
-            <a:r>
-              <a:rPr lang="ru-RU" dirty="0" smtClean="0"/>
-              <a:t>ля </a:t>
+              <a:t>-го апреля </a:t>
             </a:r>
             <a:r>
               <a:rPr lang="ru-RU" dirty="0"/>
@@ -4214,7 +4139,7 @@
       </p:sp>
       <p:pic>
         <p:nvPicPr>
-          <p:cNvPr id="5" name="Рисунок 4"/>
+          <p:cNvPr id="3" name="Рисунок 2"/>
           <p:cNvPicPr>
             <a:picLocks noChangeAspect="1"/>
           </p:cNvPicPr>
@@ -4228,8 +4153,32 @@
         </p:blipFill>
         <p:spPr>
           <a:xfrm>
-            <a:off x="7995987" y="0"/>
-            <a:ext cx="4196013" cy="6858000"/>
+            <a:off x="1044061" y="1690688"/>
+            <a:ext cx="4467849" cy="3934374"/>
+          </a:xfrm>
+          <a:prstGeom prst="rect">
+            <a:avLst/>
+          </a:prstGeom>
+        </p:spPr>
+      </p:pic>
+      <p:pic>
+        <p:nvPicPr>
+          <p:cNvPr id="4" name="Рисунок 3"/>
+          <p:cNvPicPr>
+            <a:picLocks noChangeAspect="1"/>
+          </p:cNvPicPr>
+          <p:nvPr/>
+        </p:nvPicPr>
+        <p:blipFill>
+          <a:blip r:embed="rId3"/>
+          <a:stretch>
+            <a:fillRect/>
+          </a:stretch>
+        </p:blipFill>
+        <p:spPr>
+          <a:xfrm>
+            <a:off x="7543830" y="818603"/>
+            <a:ext cx="3305636" cy="5353797"/>
           </a:xfrm>
           <a:prstGeom prst="rect">
             <a:avLst/>
@@ -4745,7 +4694,6 @@
               <a:rPr lang="ru-RU" dirty="0" smtClean="0"/>
               <a:t> бота на любом компьютере. Значит блокировке такой бот подлежать не сможет.</a:t>
             </a:r>
-            <a:endParaRPr lang="ru-RU" dirty="0" smtClean="0"/>
           </a:p>
           <a:p>
             <a:r>
@@ -4791,7 +4739,6 @@
               <a:rPr lang="en-US" dirty="0" smtClean="0"/>
               <a:t>DPI.</a:t>
             </a:r>
-            <a:endParaRPr lang="en-US" dirty="0" smtClean="0"/>
           </a:p>
         </p:txBody>
       </p:sp>
@@ -4963,7 +4910,6 @@
               <a:rPr lang="en-US" dirty="0" smtClean="0"/>
               <a:t>;</a:t>
             </a:r>
-            <a:endParaRPr lang="en-US" dirty="0" smtClean="0"/>
           </a:p>
           <a:p>
             <a:pPr marL="514350" indent="-514350">
@@ -4971,11 +4917,7 @@
             </a:pPr>
             <a:r>
               <a:rPr lang="ru-RU" dirty="0" smtClean="0"/>
-              <a:t>Написан</a:t>
-            </a:r>
-            <a:r>
-              <a:rPr lang="ru-RU" dirty="0" smtClean="0"/>
-              <a:t>ы </a:t>
+              <a:t>Написаны </a:t>
             </a:r>
             <a:r>
               <a:rPr lang="en-US" dirty="0" err="1" smtClean="0"/>
@@ -5007,7 +4949,7 @@
               <a:rPr lang="en-US" dirty="0" smtClean="0"/>
               <a:t>;</a:t>
             </a:r>
-            <a:endParaRPr lang="en-US" dirty="0" smtClean="0"/>
+            <a:endParaRPr lang="ru-RU" dirty="0" smtClean="0"/>
           </a:p>
         </p:txBody>
       </p:sp>
